--- a/ppt_odp/Template - LES 2023.pptx
+++ b/ppt_odp/Template - LES 2023.pptx
@@ -118,6 +118,9 @@
     <p:ext uri="{EFAFB233-063F-42B5-8137-9DF3F51BA10A}">
       <p15:sldGuideLst xmlns:p15="http://schemas.microsoft.com/office/powerpoint/2012/main"/>
     </p:ext>
+    <p:ext uri="{2D200454-40CA-4A62-9FC3-DE9A4176ACB9}">
+      <p15:notesGuideLst xmlns:p15="http://schemas.microsoft.com/office/powerpoint/2012/main"/>
+    </p:ext>
   </p:extLst>
 </p:presentation>
 </file>
@@ -944,14 +947,7 @@
             <a:off x="988291" y="2276271"/>
             <a:ext cx="9679709" cy="1233691"/>
           </a:xfrm>
-          <a:effectLst>
-            <a:outerShdw blurRad="38100" dist="25400" dir="5400000" algn="ctr" rotWithShape="0">
-              <a:schemeClr val="tx1">
-                <a:lumMod val="50000"/>
-                <a:lumOff val="50000"/>
-              </a:schemeClr>
-            </a:outerShdw>
-          </a:effectLst>
+          <a:effectLst/>
         </p:spPr>
         <p:txBody>
           <a:bodyPr anchor="ctr">
